--- a/Word/Concreto 1/W M Pereira Junior_09-Elementos e seu pré-dimensionamento_r00_240621.pptx
+++ b/Word/Concreto 1/W M Pereira Junior_09-Elementos e seu pré-dimensionamento_r00_240621.pptx
@@ -295,7 +295,7 @@
       <p15:sldGuideLst xmlns:p15="http://schemas.microsoft.com/office/powerpoint/2012/main"/>
     </p:ext>
     <p:ext uri="http://customooxmlschemas.google.com/">
-      <go:slidesCustomData xmlns="" xmlns:mc="http://schemas.openxmlformats.org/markup-compatibility/2006" xmlns:mv="urn:schemas-microsoft-com:mac:vml" xmlns:c="http://schemas.openxmlformats.org/drawingml/2006/chart" xmlns:dgm="http://schemas.openxmlformats.org/drawingml/2006/diagram" xmlns:o="urn:schemas-microsoft-com:office:office" xmlns:v="urn:schemas-microsoft-com:vml" xmlns:pvml="urn:schemas-microsoft-com:office:powerpoint" xmlns:com="http://schemas.openxmlformats.org/drawingml/2006/compatibility" xmlns:p14="http://schemas.microsoft.com/office/powerpoint/2010/main" xmlns:p15="http://schemas.microsoft.com/office/powerpoint/2012/main" xmlns:ahyp="http://schemas.microsoft.com/office/drawing/2018/hyperlinkcolor" xmlns:go="http://customooxmlschemas.google.com/" r:id="rId36" roundtripDataSignature="AMtx7mhXF1BXzQvv2zZalSgqmiWUwhqCyQ=="/>
+      <go:slidesCustomData xmlns:go="http://customooxmlschemas.google.com/" xmlns:ahyp="http://schemas.microsoft.com/office/drawing/2018/hyperlinkcolor" xmlns:p15="http://schemas.microsoft.com/office/powerpoint/2012/main" xmlns:p14="http://schemas.microsoft.com/office/powerpoint/2010/main" xmlns:com="http://schemas.openxmlformats.org/drawingml/2006/compatibility" xmlns:pvml="urn:schemas-microsoft-com:office:powerpoint" xmlns:v="urn:schemas-microsoft-com:vml" xmlns:o="urn:schemas-microsoft-com:office:office" xmlns:dgm="http://schemas.openxmlformats.org/drawingml/2006/diagram" xmlns:c="http://schemas.openxmlformats.org/drawingml/2006/chart" xmlns:mv="urn:schemas-microsoft-com:mac:vml" xmlns:mc="http://schemas.openxmlformats.org/markup-compatibility/2006" xmlns="" r:id="rId36" roundtripDataSignature="AMtx7mhXF1BXzQvv2zZalSgqmiWUwhqCyQ=="/>
     </p:ext>
   </p:extLst>
 </p:presentation>
@@ -13422,8 +13422,8 @@
           </a:p>
         </p:txBody>
       </p:sp>
-      <mc:AlternateContent xmlns:mc="http://schemas.openxmlformats.org/markup-compatibility/2006">
-        <mc:Choice xmlns:a14="http://schemas.microsoft.com/office/drawing/2010/main" Requires="a14">
+      <mc:AlternateContent xmlns:mc="http://schemas.openxmlformats.org/markup-compatibility/2006" xmlns:a14="http://schemas.microsoft.com/office/drawing/2010/main">
+        <mc:Choice Requires="a14">
           <p:sp>
             <p:nvSpPr>
               <p:cNvPr id="12" name="CaixaDeTexto 11">
@@ -13687,7 +13687,7 @@
             </p:txBody>
           </p:sp>
         </mc:Choice>
-        <mc:Fallback>
+        <mc:Fallback xmlns="">
           <p:sp>
             <p:nvSpPr>
               <p:cNvPr id="12" name="CaixaDeTexto 11">
@@ -14109,8 +14109,8 @@
           </a:p>
         </p:txBody>
       </p:sp>
-      <mc:AlternateContent xmlns:mc="http://schemas.openxmlformats.org/markup-compatibility/2006">
-        <mc:Choice xmlns:a14="http://schemas.microsoft.com/office/drawing/2010/main" Requires="a14">
+      <mc:AlternateContent xmlns:mc="http://schemas.openxmlformats.org/markup-compatibility/2006" xmlns:a14="http://schemas.microsoft.com/office/drawing/2010/main">
+        <mc:Choice Requires="a14">
           <p:sp>
             <p:nvSpPr>
               <p:cNvPr id="14" name="CaixaDeTexto 13">
@@ -14236,7 +14236,7 @@
             </p:txBody>
           </p:sp>
         </mc:Choice>
-        <mc:Fallback>
+        <mc:Fallback xmlns="">
           <p:sp>
             <p:nvSpPr>
               <p:cNvPr id="14" name="CaixaDeTexto 13">
@@ -14658,8 +14658,8 @@
           </a:p>
         </p:txBody>
       </p:sp>
-      <mc:AlternateContent xmlns:mc="http://schemas.openxmlformats.org/markup-compatibility/2006">
-        <mc:Choice xmlns:a14="http://schemas.microsoft.com/office/drawing/2010/main" Requires="a14">
+      <mc:AlternateContent xmlns:mc="http://schemas.openxmlformats.org/markup-compatibility/2006" xmlns:a14="http://schemas.microsoft.com/office/drawing/2010/main">
+        <mc:Choice Requires="a14">
           <p:sp>
             <p:nvSpPr>
               <p:cNvPr id="18" name="CaixaDeTexto 17">
@@ -14827,7 +14827,7 @@
             </p:txBody>
           </p:sp>
         </mc:Choice>
-        <mc:Fallback>
+        <mc:Fallback xmlns="">
           <p:sp>
             <p:nvSpPr>
               <p:cNvPr id="18" name="CaixaDeTexto 17">
@@ -14986,8 +14986,8 @@
           </a:p>
         </p:txBody>
       </p:sp>
-      <mc:AlternateContent xmlns:mc="http://schemas.openxmlformats.org/markup-compatibility/2006">
-        <mc:Choice xmlns:a14="http://schemas.microsoft.com/office/drawing/2010/main" Requires="a14">
+      <mc:AlternateContent xmlns:mc="http://schemas.openxmlformats.org/markup-compatibility/2006" xmlns:a14="http://schemas.microsoft.com/office/drawing/2010/main">
+        <mc:Choice Requires="a14">
           <p:sp>
             <p:nvSpPr>
               <p:cNvPr id="21" name="CaixaDeTexto 20">
@@ -15071,7 +15071,7 @@
             </p:txBody>
           </p:sp>
         </mc:Choice>
-        <mc:Fallback>
+        <mc:Fallback xmlns="">
           <p:sp>
             <p:nvSpPr>
               <p:cNvPr id="21" name="CaixaDeTexto 20">
@@ -15156,8 +15156,8 @@
           </a:p>
         </p:txBody>
       </p:sp>
-      <mc:AlternateContent xmlns:mc="http://schemas.openxmlformats.org/markup-compatibility/2006">
-        <mc:Choice xmlns:a14="http://schemas.microsoft.com/office/drawing/2010/main" Requires="a14">
+      <mc:AlternateContent xmlns:mc="http://schemas.openxmlformats.org/markup-compatibility/2006" xmlns:a14="http://schemas.microsoft.com/office/drawing/2010/main">
+        <mc:Choice Requires="a14">
           <p:sp>
             <p:nvSpPr>
               <p:cNvPr id="24" name="CaixaDeTexto 23">
@@ -15241,7 +15241,7 @@
             </p:txBody>
           </p:sp>
         </mc:Choice>
-        <mc:Fallback>
+        <mc:Fallback xmlns="">
           <p:sp>
             <p:nvSpPr>
               <p:cNvPr id="24" name="CaixaDeTexto 23">
@@ -15667,8 +15667,8 @@
           </a:prstGeom>
         </p:spPr>
       </p:pic>
-      <mc:AlternateContent xmlns:mc="http://schemas.openxmlformats.org/markup-compatibility/2006">
-        <mc:Choice xmlns:a14="http://schemas.microsoft.com/office/drawing/2010/main" Requires="a14">
+      <mc:AlternateContent xmlns:mc="http://schemas.openxmlformats.org/markup-compatibility/2006" xmlns:a14="http://schemas.microsoft.com/office/drawing/2010/main">
+        <mc:Choice Requires="a14">
           <p:sp>
             <p:nvSpPr>
               <p:cNvPr id="18" name="CaixaDeTexto 17">
@@ -15870,7 +15870,7 @@
             </p:txBody>
           </p:sp>
         </mc:Choice>
-        <mc:Fallback>
+        <mc:Fallback xmlns="">
           <p:sp>
             <p:nvSpPr>
               <p:cNvPr id="18" name="CaixaDeTexto 17">
@@ -16236,8 +16236,8 @@
         </p:blipFill>
         <p:spPr>
           <a:xfrm>
-            <a:off x="1528675" y="1066171"/>
-            <a:ext cx="9261936" cy="4033336"/>
+            <a:off x="550606" y="1066171"/>
+            <a:ext cx="11218607" cy="4033336"/>
           </a:xfrm>
           <a:prstGeom prst="rect">
             <a:avLst/>
@@ -16703,8 +16703,8 @@
           </a:prstGeom>
         </p:spPr>
       </p:pic>
-      <mc:AlternateContent xmlns:mc="http://schemas.openxmlformats.org/markup-compatibility/2006">
-        <mc:Choice xmlns:a14="http://schemas.microsoft.com/office/drawing/2010/main" Requires="a14">
+      <mc:AlternateContent xmlns:mc="http://schemas.openxmlformats.org/markup-compatibility/2006" xmlns:a14="http://schemas.microsoft.com/office/drawing/2010/main">
+        <mc:Choice Requires="a14">
           <p:sp>
             <p:nvSpPr>
               <p:cNvPr id="11" name="CaixaDeTexto 10">
@@ -16932,7 +16932,7 @@
             </p:txBody>
           </p:sp>
         </mc:Choice>
-        <mc:Fallback>
+        <mc:Fallback xmlns="">
           <p:sp>
             <p:nvSpPr>
               <p:cNvPr id="11" name="CaixaDeTexto 10">
@@ -17278,8 +17278,8 @@
           </a:p>
         </p:txBody>
       </p:sp>
-      <mc:AlternateContent xmlns:mc="http://schemas.openxmlformats.org/markup-compatibility/2006">
-        <mc:Choice xmlns:a14="http://schemas.microsoft.com/office/drawing/2010/main" Requires="a14">
+      <mc:AlternateContent xmlns:mc="http://schemas.openxmlformats.org/markup-compatibility/2006" xmlns:a14="http://schemas.microsoft.com/office/drawing/2010/main">
+        <mc:Choice Requires="a14">
           <p:sp>
             <p:nvSpPr>
               <p:cNvPr id="12" name="CaixaDeTexto 11">
@@ -17567,7 +17567,7 @@
             </p:txBody>
           </p:sp>
         </mc:Choice>
-        <mc:Fallback>
+        <mc:Fallback xmlns="">
           <p:sp>
             <p:nvSpPr>
               <p:cNvPr id="12" name="CaixaDeTexto 11">
@@ -17612,8 +17612,8 @@
           </p:sp>
         </mc:Fallback>
       </mc:AlternateContent>
-      <mc:AlternateContent xmlns:mc="http://schemas.openxmlformats.org/markup-compatibility/2006">
-        <mc:Choice xmlns:a14="http://schemas.microsoft.com/office/drawing/2010/main" Requires="a14">
+      <mc:AlternateContent xmlns:mc="http://schemas.openxmlformats.org/markup-compatibility/2006" xmlns:a14="http://schemas.microsoft.com/office/drawing/2010/main">
+        <mc:Choice Requires="a14">
           <p:sp>
             <p:nvSpPr>
               <p:cNvPr id="14" name="CaixaDeTexto 13">
@@ -17642,7 +17642,6 @@
               </a:bodyPr>
               <a:lstStyle/>
               <a:p>
-                <a:pPr/>
                 <a14:m>
                   <m:oMath xmlns:m="http://schemas.openxmlformats.org/officeDocument/2006/math">
                     <m:sSub>
@@ -17911,7 +17910,7 @@
             </p:txBody>
           </p:sp>
         </mc:Choice>
-        <mc:Fallback>
+        <mc:Fallback xmlns="">
           <p:sp>
             <p:nvSpPr>
               <p:cNvPr id="14" name="CaixaDeTexto 13">
@@ -17956,8 +17955,8 @@
           </p:sp>
         </mc:Fallback>
       </mc:AlternateContent>
-      <mc:AlternateContent xmlns:mc="http://schemas.openxmlformats.org/markup-compatibility/2006">
-        <mc:Choice xmlns:a14="http://schemas.microsoft.com/office/drawing/2010/main" Requires="a14">
+      <mc:AlternateContent xmlns:mc="http://schemas.openxmlformats.org/markup-compatibility/2006" xmlns:a14="http://schemas.microsoft.com/office/drawing/2010/main">
+        <mc:Choice Requires="a14">
           <p:sp>
             <p:nvSpPr>
               <p:cNvPr id="16" name="CaixaDeTexto 15">
@@ -18105,7 +18104,7 @@
             </p:txBody>
           </p:sp>
         </mc:Choice>
-        <mc:Fallback>
+        <mc:Fallback xmlns="">
           <p:sp>
             <p:nvSpPr>
               <p:cNvPr id="16" name="CaixaDeTexto 15">
@@ -18150,8 +18149,8 @@
           </p:sp>
         </mc:Fallback>
       </mc:AlternateContent>
-      <mc:AlternateContent xmlns:mc="http://schemas.openxmlformats.org/markup-compatibility/2006">
-        <mc:Choice xmlns:a14="http://schemas.microsoft.com/office/drawing/2010/main" Requires="a14">
+      <mc:AlternateContent xmlns:mc="http://schemas.openxmlformats.org/markup-compatibility/2006" xmlns:a14="http://schemas.microsoft.com/office/drawing/2010/main">
+        <mc:Choice Requires="a14">
           <p:sp>
             <p:nvSpPr>
               <p:cNvPr id="19" name="CaixaDeTexto 18">
@@ -18385,7 +18384,7 @@
             </p:txBody>
           </p:sp>
         </mc:Choice>
-        <mc:Fallback>
+        <mc:Fallback xmlns="">
           <p:sp>
             <p:nvSpPr>
               <p:cNvPr id="19" name="CaixaDeTexto 18">
@@ -18430,8 +18429,8 @@
           </p:sp>
         </mc:Fallback>
       </mc:AlternateContent>
-      <mc:AlternateContent xmlns:mc="http://schemas.openxmlformats.org/markup-compatibility/2006">
-        <mc:Choice xmlns:a14="http://schemas.microsoft.com/office/drawing/2010/main" Requires="a14">
+      <mc:AlternateContent xmlns:mc="http://schemas.openxmlformats.org/markup-compatibility/2006" xmlns:a14="http://schemas.microsoft.com/office/drawing/2010/main">
+        <mc:Choice Requires="a14">
           <p:sp>
             <p:nvSpPr>
               <p:cNvPr id="21" name="CaixaDeTexto 20">
@@ -18565,7 +18564,7 @@
             </p:txBody>
           </p:sp>
         </mc:Choice>
-        <mc:Fallback>
+        <mc:Fallback xmlns="">
           <p:sp>
             <p:nvSpPr>
               <p:cNvPr id="21" name="CaixaDeTexto 20">
@@ -18610,8 +18609,8 @@
           </p:sp>
         </mc:Fallback>
       </mc:AlternateContent>
-      <mc:AlternateContent xmlns:mc="http://schemas.openxmlformats.org/markup-compatibility/2006">
-        <mc:Choice xmlns:a14="http://schemas.microsoft.com/office/drawing/2010/main" Requires="a14">
+      <mc:AlternateContent xmlns:mc="http://schemas.openxmlformats.org/markup-compatibility/2006" xmlns:a14="http://schemas.microsoft.com/office/drawing/2010/main">
+        <mc:Choice Requires="a14">
           <p:sp>
             <p:nvSpPr>
               <p:cNvPr id="25" name="CaixaDeTexto 24">
@@ -18775,7 +18774,7 @@
             </p:txBody>
           </p:sp>
         </mc:Choice>
-        <mc:Fallback>
+        <mc:Fallback xmlns="">
           <p:sp>
             <p:nvSpPr>
               <p:cNvPr id="25" name="CaixaDeTexto 24">
@@ -19739,7 +19738,7 @@
         </p:nvSpPr>
         <p:spPr>
           <a:xfrm>
-            <a:off x="257706" y="535173"/>
+            <a:off x="257706" y="1704316"/>
             <a:ext cx="11665295" cy="3477875"/>
           </a:xfrm>
           <a:prstGeom prst="rect">
@@ -20634,7 +20633,7 @@
         <p:spPr>
           <a:xfrm>
             <a:off x="293508" y="1776947"/>
-            <a:ext cx="11629494" cy="3735190"/>
+            <a:ext cx="11629494" cy="4350743"/>
           </a:xfrm>
           <a:prstGeom prst="rect">
             <a:avLst/>
@@ -20730,6 +20729,25 @@
               </a:rPr>
               <a:t>:</a:t>
             </a:r>
+          </a:p>
+          <a:p>
+            <a:pPr algn="just">
+              <a:lnSpc>
+                <a:spcPct val="150000"/>
+              </a:lnSpc>
+              <a:spcBef>
+                <a:spcPts val="600"/>
+              </a:spcBef>
+              <a:spcAft>
+                <a:spcPts val="600"/>
+              </a:spcAft>
+            </a:pPr>
+            <a:endParaRPr lang="pt-BR" sz="2000" dirty="0">
+              <a:effectLst/>
+              <a:latin typeface="CMU Serif" panose="02000603000000000000" pitchFamily="2" charset="0"/>
+              <a:ea typeface="CMU Serif" panose="02000603000000000000" pitchFamily="2" charset="0"/>
+              <a:cs typeface="CMU Serif" panose="02000603000000000000" pitchFamily="2" charset="0"/>
+            </a:endParaRPr>
           </a:p>
           <a:p>
             <a:pPr marL="342900" lvl="0" algn="just">
@@ -21173,8 +21191,8 @@
           </a:p>
         </p:txBody>
       </p:sp>
-      <mc:AlternateContent xmlns:mc="http://schemas.openxmlformats.org/markup-compatibility/2006">
-        <mc:Choice xmlns:a14="http://schemas.microsoft.com/office/drawing/2010/main" Requires="a14">
+      <mc:AlternateContent xmlns:mc="http://schemas.openxmlformats.org/markup-compatibility/2006" xmlns:a14="http://schemas.microsoft.com/office/drawing/2010/main">
+        <mc:Choice Requires="a14">
           <p:sp>
             <p:nvSpPr>
               <p:cNvPr id="14" name="CaixaDeTexto 13">
@@ -21348,7 +21366,7 @@
             </p:txBody>
           </p:sp>
         </mc:Choice>
-        <mc:Fallback>
+        <mc:Fallback xmlns="">
           <p:sp>
             <p:nvSpPr>
               <p:cNvPr id="14" name="CaixaDeTexto 13">
@@ -21393,8 +21411,8 @@
           </p:sp>
         </mc:Fallback>
       </mc:AlternateContent>
-      <mc:AlternateContent xmlns:mc="http://schemas.openxmlformats.org/markup-compatibility/2006">
-        <mc:Choice xmlns:a14="http://schemas.microsoft.com/office/drawing/2010/main" Requires="a14">
+      <mc:AlternateContent xmlns:mc="http://schemas.openxmlformats.org/markup-compatibility/2006" xmlns:a14="http://schemas.microsoft.com/office/drawing/2010/main">
+        <mc:Choice Requires="a14">
           <p:sp>
             <p:nvSpPr>
               <p:cNvPr id="17" name="CaixaDeTexto 16">
@@ -21716,7 +21734,7 @@
             </p:txBody>
           </p:sp>
         </mc:Choice>
-        <mc:Fallback>
+        <mc:Fallback xmlns="">
           <p:sp>
             <p:nvSpPr>
               <p:cNvPr id="17" name="CaixaDeTexto 16">
@@ -22180,8 +22198,8 @@
           </a:prstGeom>
         </p:spPr>
       </p:pic>
-      <mc:AlternateContent xmlns:mc="http://schemas.openxmlformats.org/markup-compatibility/2006">
-        <mc:Choice xmlns:a14="http://schemas.microsoft.com/office/drawing/2010/main" Requires="a14">
+      <mc:AlternateContent xmlns:mc="http://schemas.openxmlformats.org/markup-compatibility/2006" xmlns:a14="http://schemas.microsoft.com/office/drawing/2010/main">
+        <mc:Choice Requires="a14">
           <p:sp>
             <p:nvSpPr>
               <p:cNvPr id="11" name="CaixaDeTexto 10">
@@ -22345,7 +22363,7 @@
             </p:txBody>
           </p:sp>
         </mc:Choice>
-        <mc:Fallback>
+        <mc:Fallback xmlns="">
           <p:sp>
             <p:nvSpPr>
               <p:cNvPr id="11" name="CaixaDeTexto 10">
@@ -22691,8 +22709,8 @@
           </a:p>
         </p:txBody>
       </p:sp>
-      <mc:AlternateContent xmlns:mc="http://schemas.openxmlformats.org/markup-compatibility/2006">
-        <mc:Choice xmlns:a14="http://schemas.microsoft.com/office/drawing/2010/main" Requires="a14">
+      <mc:AlternateContent xmlns:mc="http://schemas.openxmlformats.org/markup-compatibility/2006" xmlns:a14="http://schemas.microsoft.com/office/drawing/2010/main">
+        <mc:Choice Requires="a14">
           <p:sp>
             <p:nvSpPr>
               <p:cNvPr id="16" name="CaixaDeTexto 15">
@@ -22817,7 +22835,7 @@
             </p:txBody>
           </p:sp>
         </mc:Choice>
-        <mc:Fallback>
+        <mc:Fallback xmlns="">
           <p:sp>
             <p:nvSpPr>
               <p:cNvPr id="16" name="CaixaDeTexto 15">
@@ -22959,8 +22977,8 @@
           </a:p>
         </p:txBody>
       </p:sp>
-      <mc:AlternateContent xmlns:mc="http://schemas.openxmlformats.org/markup-compatibility/2006">
-        <mc:Choice xmlns:a14="http://schemas.microsoft.com/office/drawing/2010/main" Requires="a14">
+      <mc:AlternateContent xmlns:mc="http://schemas.openxmlformats.org/markup-compatibility/2006" xmlns:a14="http://schemas.microsoft.com/office/drawing/2010/main">
+        <mc:Choice Requires="a14">
           <p:sp>
             <p:nvSpPr>
               <p:cNvPr id="21" name="CaixaDeTexto 20">
@@ -23085,7 +23103,7 @@
             </p:txBody>
           </p:sp>
         </mc:Choice>
-        <mc:Fallback>
+        <mc:Fallback xmlns="">
           <p:sp>
             <p:nvSpPr>
               <p:cNvPr id="21" name="CaixaDeTexto 20">
@@ -23187,8 +23205,8 @@
           </a:p>
         </p:txBody>
       </p:sp>
-      <mc:AlternateContent xmlns:mc="http://schemas.openxmlformats.org/markup-compatibility/2006">
-        <mc:Choice xmlns:a14="http://schemas.microsoft.com/office/drawing/2010/main" Requires="a14">
+      <mc:AlternateContent xmlns:mc="http://schemas.openxmlformats.org/markup-compatibility/2006" xmlns:a14="http://schemas.microsoft.com/office/drawing/2010/main">
+        <mc:Choice Requires="a14">
           <p:sp>
             <p:nvSpPr>
               <p:cNvPr id="25" name="CaixaDeTexto 24">
@@ -23313,7 +23331,7 @@
             </p:txBody>
           </p:sp>
         </mc:Choice>
-        <mc:Fallback>
+        <mc:Fallback xmlns="">
           <p:sp>
             <p:nvSpPr>
               <p:cNvPr id="25" name="CaixaDeTexto 24">
@@ -23864,8 +23882,8 @@
           </a:p>
         </p:txBody>
       </p:sp>
-      <mc:AlternateContent xmlns:mc="http://schemas.openxmlformats.org/markup-compatibility/2006">
-        <mc:Choice xmlns:a14="http://schemas.microsoft.com/office/drawing/2010/main" Requires="a14">
+      <mc:AlternateContent xmlns:mc="http://schemas.openxmlformats.org/markup-compatibility/2006" xmlns:a14="http://schemas.microsoft.com/office/drawing/2010/main">
+        <mc:Choice Requires="a14">
           <p:sp>
             <p:nvSpPr>
               <p:cNvPr id="20" name="CaixaDeTexto 19">
@@ -24026,7 +24044,7 @@
             </p:txBody>
           </p:sp>
         </mc:Choice>
-        <mc:Fallback>
+        <mc:Fallback xmlns="">
           <p:sp>
             <p:nvSpPr>
               <p:cNvPr id="20" name="CaixaDeTexto 19">
